--- a/planning/Proto-personas.pptx
+++ b/planning/Proto-personas.pptx
@@ -128,7 +128,7 @@
               <a:rPr b="0" lang="en-GB" sz="1400" spc="-1" strike="noStrike">
                 <a:latin typeface="Times New Roman"/>
               </a:rPr>
-              <a:t> </a:t>
+              <a:t>&lt;header&gt;</a:t>
             </a:r>
             <a:endParaRPr b="0" lang="en-GB" sz="1400" spc="-1" strike="noStrike">
               <a:latin typeface="Times New Roman"/>
@@ -163,7 +163,7 @@
               <a:rPr b="0" lang="en-GB" sz="1400" spc="-1" strike="noStrike">
                 <a:latin typeface="Times New Roman"/>
               </a:rPr>
-              <a:t> </a:t>
+              <a:t>&lt;date/time&gt;</a:t>
             </a:r>
             <a:endParaRPr b="0" lang="en-GB" sz="1400" spc="-1" strike="noStrike">
               <a:latin typeface="Times New Roman"/>
@@ -197,7 +197,7 @@
               <a:rPr b="0" lang="en-GB" sz="1400" spc="-1" strike="noStrike">
                 <a:latin typeface="Times New Roman"/>
               </a:rPr>
-              <a:t> </a:t>
+              <a:t>&lt;footer&gt;</a:t>
             </a:r>
             <a:endParaRPr b="0" lang="en-GB" sz="1400" spc="-1" strike="noStrike">
               <a:latin typeface="Times New Roman"/>
@@ -228,11 +228,11 @@
           <a:bodyPr lIns="0" rIns="0" tIns="0" bIns="0" anchor="b"/>
           <a:p>
             <a:pPr algn="r"/>
-            <a:fld id="{0B39CB13-7FE2-4EE4-909C-1737DE5DFC81}" type="slidenum">
+            <a:fld id="{150D85AC-E508-481B-84B6-41ED5F99305D}" type="slidenum">
               <a:rPr b="0" lang="en-GB" sz="1400" spc="-1" strike="noStrike">
                 <a:latin typeface="Times New Roman"/>
               </a:rPr>
-              <a:t>1</a:t>
+              <a:t>&lt;number&gt;</a:t>
             </a:fld>
             <a:endParaRPr b="0" lang="en-GB" sz="1400" spc="-1" strike="noStrike">
               <a:latin typeface="Times New Roman"/>
@@ -276,7 +276,7 @@
         <p:spPr>
           <a:xfrm>
             <a:off x="1143360" y="685800"/>
-            <a:ext cx="4571280" cy="3428280"/>
+            <a:ext cx="4570920" cy="3427920"/>
           </a:xfrm>
           <a:prstGeom prst="rect">
             <a:avLst/>
@@ -296,7 +296,7 @@
         <p:spPr>
           <a:xfrm>
             <a:off x="685800" y="4343400"/>
-            <a:ext cx="5485680" cy="4114080"/>
+            <a:ext cx="5485320" cy="4113720"/>
           </a:xfrm>
           <a:prstGeom prst="rect">
             <a:avLst/>
@@ -305,7 +305,7 @@
         <p:txBody>
           <a:bodyPr lIns="0" rIns="0" tIns="91440" bIns="91440"/>
           <a:p>
-            <a:pPr marL="457200" indent="-291240">
+            <a:pPr marL="457200" indent="-290880">
               <a:lnSpc>
                 <a:spcPct val="100000"/>
               </a:lnSpc>
@@ -329,7 +329,7 @@
             </a:endParaRPr>
           </a:p>
           <a:p>
-            <a:pPr marL="457200" indent="-291240">
+            <a:pPr marL="457200" indent="-290880">
               <a:lnSpc>
                 <a:spcPct val="100000"/>
               </a:lnSpc>
@@ -353,7 +353,7 @@
             </a:endParaRPr>
           </a:p>
           <a:p>
-            <a:pPr marL="457200" indent="-291240">
+            <a:pPr marL="457200" indent="-290880">
               <a:lnSpc>
                 <a:spcPct val="100000"/>
               </a:lnSpc>
@@ -377,7 +377,7 @@
             </a:endParaRPr>
           </a:p>
           <a:p>
-            <a:pPr marL="457200" indent="-291240">
+            <a:pPr marL="457200" indent="-290880">
               <a:lnSpc>
                 <a:spcPct val="100000"/>
               </a:lnSpc>
@@ -401,7 +401,7 @@
             </a:endParaRPr>
           </a:p>
           <a:p>
-            <a:pPr lvl="1" marL="914400" indent="-291240">
+            <a:pPr lvl="1" marL="914400" indent="-290880">
               <a:lnSpc>
                 <a:spcPct val="100000"/>
               </a:lnSpc>
@@ -425,7 +425,7 @@
             </a:endParaRPr>
           </a:p>
           <a:p>
-            <a:pPr lvl="1" marL="914400" indent="-291240">
+            <a:pPr lvl="1" marL="914400" indent="-290880">
               <a:lnSpc>
                 <a:spcPct val="100000"/>
               </a:lnSpc>
@@ -449,7 +449,7 @@
             </a:endParaRPr>
           </a:p>
           <a:p>
-            <a:pPr lvl="1" marL="914400" indent="-291240">
+            <a:pPr lvl="1" marL="914400" indent="-290880">
               <a:lnSpc>
                 <a:spcPct val="100000"/>
               </a:lnSpc>
@@ -473,7 +473,7 @@
             </a:endParaRPr>
           </a:p>
           <a:p>
-            <a:pPr lvl="1" marL="914400" indent="-291240">
+            <a:pPr lvl="1" marL="914400" indent="-290880">
               <a:lnSpc>
                 <a:spcPct val="100000"/>
               </a:lnSpc>
@@ -497,7 +497,7 @@
             </a:endParaRPr>
           </a:p>
           <a:p>
-            <a:pPr lvl="1" marL="914400" indent="-291240">
+            <a:pPr lvl="1" marL="914400" indent="-290880">
               <a:lnSpc>
                 <a:spcPct val="100000"/>
               </a:lnSpc>
@@ -521,7 +521,7 @@
             </a:endParaRPr>
           </a:p>
           <a:p>
-            <a:pPr marL="457200" indent="-291240">
+            <a:pPr marL="457200" indent="-290880">
               <a:lnSpc>
                 <a:spcPct val="100000"/>
               </a:lnSpc>
@@ -545,7 +545,7 @@
             </a:endParaRPr>
           </a:p>
           <a:p>
-            <a:pPr marL="457200" indent="-291240">
+            <a:pPr marL="457200" indent="-290880">
               <a:lnSpc>
                 <a:spcPct val="100000"/>
               </a:lnSpc>
@@ -605,7 +605,7 @@
         <p:spPr>
           <a:xfrm>
             <a:off x="1143360" y="685800"/>
-            <a:ext cx="4571280" cy="3428280"/>
+            <a:ext cx="4570920" cy="3427920"/>
           </a:xfrm>
           <a:prstGeom prst="rect">
             <a:avLst/>
@@ -625,7 +625,7 @@
         <p:spPr>
           <a:xfrm>
             <a:off x="685800" y="4343400"/>
-            <a:ext cx="5485680" cy="4114080"/>
+            <a:ext cx="5485320" cy="4113720"/>
           </a:xfrm>
           <a:prstGeom prst="rect">
             <a:avLst/>
@@ -634,7 +634,7 @@
         <p:txBody>
           <a:bodyPr lIns="0" rIns="0" tIns="91440" bIns="91440"/>
           <a:p>
-            <a:pPr marL="457200" indent="-291240">
+            <a:pPr marL="457200" indent="-290880">
               <a:lnSpc>
                 <a:spcPct val="100000"/>
               </a:lnSpc>
@@ -658,7 +658,7 @@
             </a:endParaRPr>
           </a:p>
           <a:p>
-            <a:pPr marL="457200" indent="-291240">
+            <a:pPr marL="457200" indent="-290880">
               <a:lnSpc>
                 <a:spcPct val="100000"/>
               </a:lnSpc>
@@ -682,7 +682,7 @@
             </a:endParaRPr>
           </a:p>
           <a:p>
-            <a:pPr marL="457200" indent="-291240">
+            <a:pPr marL="457200" indent="-290880">
               <a:lnSpc>
                 <a:spcPct val="100000"/>
               </a:lnSpc>
@@ -706,7 +706,7 @@
             </a:endParaRPr>
           </a:p>
           <a:p>
-            <a:pPr marL="457200" indent="-291240">
+            <a:pPr marL="457200" indent="-290880">
               <a:lnSpc>
                 <a:spcPct val="100000"/>
               </a:lnSpc>
@@ -730,7 +730,7 @@
             </a:endParaRPr>
           </a:p>
           <a:p>
-            <a:pPr lvl="1" marL="914400" indent="-291240">
+            <a:pPr lvl="1" marL="914400" indent="-290880">
               <a:lnSpc>
                 <a:spcPct val="100000"/>
               </a:lnSpc>
@@ -754,7 +754,7 @@
             </a:endParaRPr>
           </a:p>
           <a:p>
-            <a:pPr lvl="1" marL="914400" indent="-291240">
+            <a:pPr lvl="1" marL="914400" indent="-290880">
               <a:lnSpc>
                 <a:spcPct val="100000"/>
               </a:lnSpc>
@@ -778,7 +778,7 @@
             </a:endParaRPr>
           </a:p>
           <a:p>
-            <a:pPr lvl="1" marL="914400" indent="-291240">
+            <a:pPr lvl="1" marL="914400" indent="-290880">
               <a:lnSpc>
                 <a:spcPct val="100000"/>
               </a:lnSpc>
@@ -802,7 +802,7 @@
             </a:endParaRPr>
           </a:p>
           <a:p>
-            <a:pPr lvl="1" marL="914400" indent="-291240">
+            <a:pPr lvl="1" marL="914400" indent="-290880">
               <a:lnSpc>
                 <a:spcPct val="100000"/>
               </a:lnSpc>
@@ -826,7 +826,7 @@
             </a:endParaRPr>
           </a:p>
           <a:p>
-            <a:pPr lvl="1" marL="914400" indent="-291240">
+            <a:pPr lvl="1" marL="914400" indent="-290880">
               <a:lnSpc>
                 <a:spcPct val="100000"/>
               </a:lnSpc>
@@ -850,7 +850,7 @@
             </a:endParaRPr>
           </a:p>
           <a:p>
-            <a:pPr marL="457200" indent="-291240">
+            <a:pPr marL="457200" indent="-290880">
               <a:lnSpc>
                 <a:spcPct val="100000"/>
               </a:lnSpc>
@@ -874,7 +874,7 @@
             </a:endParaRPr>
           </a:p>
           <a:p>
-            <a:pPr marL="457200" indent="-291240">
+            <a:pPr marL="457200" indent="-290880">
               <a:lnSpc>
                 <a:spcPct val="100000"/>
               </a:lnSpc>
@@ -956,7 +956,7 @@
         <p:spPr>
           <a:xfrm>
             <a:off x="311760" y="992880"/>
-            <a:ext cx="8519760" cy="2736360"/>
+            <a:ext cx="8519400" cy="2736000"/>
           </a:xfrm>
           <a:prstGeom prst="rect">
             <a:avLst/>
@@ -985,7 +985,7 @@
         <p:spPr>
           <a:xfrm>
             <a:off x="457200" y="1604520"/>
-            <a:ext cx="8229240" cy="1896840"/>
+            <a:ext cx="8228880" cy="1896840"/>
           </a:xfrm>
           <a:prstGeom prst="rect">
             <a:avLst/>
@@ -1015,7 +1015,7 @@
         <p:spPr>
           <a:xfrm>
             <a:off x="457200" y="3682080"/>
-            <a:ext cx="8229240" cy="1896840"/>
+            <a:ext cx="8228880" cy="1896840"/>
           </a:xfrm>
           <a:prstGeom prst="rect">
             <a:avLst/>
@@ -1067,7 +1067,7 @@
         <p:spPr>
           <a:xfrm>
             <a:off x="311760" y="992880"/>
-            <a:ext cx="8519760" cy="2736360"/>
+            <a:ext cx="8519400" cy="2736000"/>
           </a:xfrm>
           <a:prstGeom prst="rect">
             <a:avLst/>
@@ -1096,7 +1096,7 @@
         <p:spPr>
           <a:xfrm>
             <a:off x="457200" y="1604520"/>
-            <a:ext cx="4015800" cy="1896840"/>
+            <a:ext cx="4015440" cy="1896840"/>
           </a:xfrm>
           <a:prstGeom prst="rect">
             <a:avLst/>
@@ -1125,8 +1125,8 @@
         </p:nvSpPr>
         <p:spPr>
           <a:xfrm>
-            <a:off x="4674240" y="1604520"/>
-            <a:ext cx="4015800" cy="1896840"/>
+            <a:off x="4673880" y="1604520"/>
+            <a:ext cx="4015440" cy="1896840"/>
           </a:xfrm>
           <a:prstGeom prst="rect">
             <a:avLst/>
@@ -1156,7 +1156,7 @@
         <p:spPr>
           <a:xfrm>
             <a:off x="457200" y="3682080"/>
-            <a:ext cx="4015800" cy="1896840"/>
+            <a:ext cx="4015440" cy="1896840"/>
           </a:xfrm>
           <a:prstGeom prst="rect">
             <a:avLst/>
@@ -1185,8 +1185,8 @@
         </p:nvSpPr>
         <p:spPr>
           <a:xfrm>
-            <a:off x="4674240" y="3682080"/>
-            <a:ext cx="4015800" cy="1896840"/>
+            <a:off x="4673880" y="3682080"/>
+            <a:ext cx="4015440" cy="1896840"/>
           </a:xfrm>
           <a:prstGeom prst="rect">
             <a:avLst/>
@@ -1238,7 +1238,7 @@
         <p:spPr>
           <a:xfrm>
             <a:off x="311760" y="992880"/>
-            <a:ext cx="8519760" cy="2736360"/>
+            <a:ext cx="8519400" cy="2736000"/>
           </a:xfrm>
           <a:prstGeom prst="rect">
             <a:avLst/>
@@ -1469,7 +1469,7 @@
         <p:spPr>
           <a:xfrm>
             <a:off x="311760" y="992880"/>
-            <a:ext cx="8519760" cy="2736360"/>
+            <a:ext cx="8519400" cy="2736000"/>
           </a:xfrm>
           <a:prstGeom prst="rect">
             <a:avLst/>
@@ -1498,7 +1498,7 @@
         <p:spPr>
           <a:xfrm>
             <a:off x="457200" y="1604520"/>
-            <a:ext cx="8229240" cy="3977280"/>
+            <a:ext cx="8228880" cy="3976920"/>
           </a:xfrm>
           <a:prstGeom prst="rect">
             <a:avLst/>
@@ -1549,7 +1549,7 @@
         <p:spPr>
           <a:xfrm>
             <a:off x="311760" y="992880"/>
-            <a:ext cx="8519760" cy="2736360"/>
+            <a:ext cx="8519400" cy="2736000"/>
           </a:xfrm>
           <a:prstGeom prst="rect">
             <a:avLst/>
@@ -1578,7 +1578,7 @@
         <p:spPr>
           <a:xfrm>
             <a:off x="457200" y="1604520"/>
-            <a:ext cx="8229240" cy="3977280"/>
+            <a:ext cx="8228880" cy="3976920"/>
           </a:xfrm>
           <a:prstGeom prst="rect">
             <a:avLst/>
@@ -1630,7 +1630,7 @@
         <p:spPr>
           <a:xfrm>
             <a:off x="311760" y="992880"/>
-            <a:ext cx="8519760" cy="2736360"/>
+            <a:ext cx="8519400" cy="2736000"/>
           </a:xfrm>
           <a:prstGeom prst="rect">
             <a:avLst/>
@@ -1659,7 +1659,7 @@
         <p:spPr>
           <a:xfrm>
             <a:off x="457200" y="1604520"/>
-            <a:ext cx="4015800" cy="3977280"/>
+            <a:ext cx="4015440" cy="3976920"/>
           </a:xfrm>
           <a:prstGeom prst="rect">
             <a:avLst/>
@@ -1688,8 +1688,8 @@
         </p:nvSpPr>
         <p:spPr>
           <a:xfrm>
-            <a:off x="4674240" y="1604520"/>
-            <a:ext cx="4015800" cy="3977280"/>
+            <a:off x="4673880" y="1604520"/>
+            <a:ext cx="4015440" cy="3976920"/>
           </a:xfrm>
           <a:prstGeom prst="rect">
             <a:avLst/>
@@ -1741,7 +1741,7 @@
         <p:spPr>
           <a:xfrm>
             <a:off x="311760" y="992880"/>
-            <a:ext cx="8519760" cy="2736360"/>
+            <a:ext cx="8519400" cy="2736000"/>
           </a:xfrm>
           <a:prstGeom prst="rect">
             <a:avLst/>
@@ -1792,7 +1792,7 @@
         <p:spPr>
           <a:xfrm>
             <a:off x="311760" y="992880"/>
-            <a:ext cx="8519760" cy="12685320"/>
+            <a:ext cx="8519400" cy="12683880"/>
           </a:xfrm>
           <a:prstGeom prst="rect">
             <a:avLst/>
@@ -1843,7 +1843,7 @@
         <p:spPr>
           <a:xfrm>
             <a:off x="311760" y="992880"/>
-            <a:ext cx="8519760" cy="2736360"/>
+            <a:ext cx="8519400" cy="2736000"/>
           </a:xfrm>
           <a:prstGeom prst="rect">
             <a:avLst/>
@@ -1872,7 +1872,7 @@
         <p:spPr>
           <a:xfrm>
             <a:off x="457200" y="1604520"/>
-            <a:ext cx="4015800" cy="1896840"/>
+            <a:ext cx="4015440" cy="1896840"/>
           </a:xfrm>
           <a:prstGeom prst="rect">
             <a:avLst/>
@@ -1901,8 +1901,8 @@
         </p:nvSpPr>
         <p:spPr>
           <a:xfrm>
-            <a:off x="4674240" y="1604520"/>
-            <a:ext cx="4015800" cy="3977280"/>
+            <a:off x="4673880" y="1604520"/>
+            <a:ext cx="4015440" cy="3976920"/>
           </a:xfrm>
           <a:prstGeom prst="rect">
             <a:avLst/>
@@ -1932,7 +1932,7 @@
         <p:spPr>
           <a:xfrm>
             <a:off x="457200" y="3682080"/>
-            <a:ext cx="4015800" cy="1896840"/>
+            <a:ext cx="4015440" cy="1896840"/>
           </a:xfrm>
           <a:prstGeom prst="rect">
             <a:avLst/>
@@ -1984,7 +1984,7 @@
         <p:spPr>
           <a:xfrm>
             <a:off x="311760" y="992880"/>
-            <a:ext cx="8519760" cy="2736360"/>
+            <a:ext cx="8519400" cy="2736000"/>
           </a:xfrm>
           <a:prstGeom prst="rect">
             <a:avLst/>
@@ -2013,7 +2013,7 @@
         <p:spPr>
           <a:xfrm>
             <a:off x="457200" y="1604520"/>
-            <a:ext cx="4015800" cy="3977280"/>
+            <a:ext cx="4015440" cy="3976920"/>
           </a:xfrm>
           <a:prstGeom prst="rect">
             <a:avLst/>
@@ -2042,8 +2042,8 @@
         </p:nvSpPr>
         <p:spPr>
           <a:xfrm>
-            <a:off x="4674240" y="1604520"/>
-            <a:ext cx="4015800" cy="1896840"/>
+            <a:off x="4673880" y="1604520"/>
+            <a:ext cx="4015440" cy="1896840"/>
           </a:xfrm>
           <a:prstGeom prst="rect">
             <a:avLst/>
@@ -2072,8 +2072,8 @@
         </p:nvSpPr>
         <p:spPr>
           <a:xfrm>
-            <a:off x="4674240" y="3682080"/>
-            <a:ext cx="4015800" cy="1896840"/>
+            <a:off x="4673880" y="3682080"/>
+            <a:ext cx="4015440" cy="1896840"/>
           </a:xfrm>
           <a:prstGeom prst="rect">
             <a:avLst/>
@@ -2125,7 +2125,7 @@
         <p:spPr>
           <a:xfrm>
             <a:off x="311760" y="992880"/>
-            <a:ext cx="8519760" cy="2736360"/>
+            <a:ext cx="8519400" cy="2736000"/>
           </a:xfrm>
           <a:prstGeom prst="rect">
             <a:avLst/>
@@ -2154,7 +2154,7 @@
         <p:spPr>
           <a:xfrm>
             <a:off x="457200" y="1604520"/>
-            <a:ext cx="4015800" cy="1896840"/>
+            <a:ext cx="4015440" cy="1896840"/>
           </a:xfrm>
           <a:prstGeom prst="rect">
             <a:avLst/>
@@ -2183,8 +2183,8 @@
         </p:nvSpPr>
         <p:spPr>
           <a:xfrm>
-            <a:off x="4674240" y="1604520"/>
-            <a:ext cx="4015800" cy="1896840"/>
+            <a:off x="4673880" y="1604520"/>
+            <a:ext cx="4015440" cy="1896840"/>
           </a:xfrm>
           <a:prstGeom prst="rect">
             <a:avLst/>
@@ -2214,7 +2214,7 @@
         <p:spPr>
           <a:xfrm>
             <a:off x="457200" y="3682080"/>
-            <a:ext cx="8229240" cy="1896840"/>
+            <a:ext cx="8228880" cy="1896840"/>
           </a:xfrm>
           <a:prstGeom prst="rect">
             <a:avLst/>
@@ -2273,7 +2273,7 @@
         <p:spPr>
           <a:xfrm>
             <a:off x="311760" y="992880"/>
-            <a:ext cx="8519760" cy="2736360"/>
+            <a:ext cx="8519400" cy="2736000"/>
           </a:xfrm>
           <a:prstGeom prst="rect">
             <a:avLst/>
@@ -2307,7 +2307,7 @@
         <p:spPr>
           <a:xfrm>
             <a:off x="457200" y="1604520"/>
-            <a:ext cx="8229240" cy="3977280"/>
+            <a:ext cx="8228880" cy="3976920"/>
           </a:xfrm>
           <a:prstGeom prst="rect">
             <a:avLst/>
@@ -2330,12 +2330,12 @@
               <a:buChar char=""/>
             </a:pPr>
             <a:r>
-              <a:rPr b="0" lang="en-GB" sz="3200" spc="-1" strike="noStrike">
+              <a:rPr b="0" lang="en-GB" sz="1800" spc="-1" strike="noStrike">
                 <a:latin typeface="Arial"/>
               </a:rPr>
               <a:t>Click to edit the outline text format</a:t>
             </a:r>
-            <a:endParaRPr b="0" lang="en-GB" sz="3200" spc="-1" strike="noStrike">
+            <a:endParaRPr b="0" lang="en-GB" sz="1800" spc="-1" strike="noStrike">
               <a:latin typeface="Arial"/>
             </a:endParaRPr>
           </a:p>
@@ -2352,12 +2352,12 @@
               <a:buChar char=""/>
             </a:pPr>
             <a:r>
-              <a:rPr b="0" lang="en-GB" sz="2800" spc="-1" strike="noStrike">
+              <a:rPr b="0" lang="en-GB" sz="1800" spc="-1" strike="noStrike">
                 <a:latin typeface="Arial"/>
               </a:rPr>
               <a:t>Second Outline Level</a:t>
             </a:r>
-            <a:endParaRPr b="0" lang="en-GB" sz="2800" spc="-1" strike="noStrike">
+            <a:endParaRPr b="0" lang="en-GB" sz="1800" spc="-1" strike="noStrike">
               <a:latin typeface="Arial"/>
             </a:endParaRPr>
           </a:p>
@@ -2374,12 +2374,12 @@
               <a:buChar char=""/>
             </a:pPr>
             <a:r>
-              <a:rPr b="0" lang="en-GB" sz="2400" spc="-1" strike="noStrike">
+              <a:rPr b="0" lang="en-GB" sz="1800" spc="-1" strike="noStrike">
                 <a:latin typeface="Arial"/>
               </a:rPr>
               <a:t>Third Outline Level</a:t>
             </a:r>
-            <a:endParaRPr b="0" lang="en-GB" sz="2400" spc="-1" strike="noStrike">
+            <a:endParaRPr b="0" lang="en-GB" sz="1800" spc="-1" strike="noStrike">
               <a:latin typeface="Arial"/>
             </a:endParaRPr>
           </a:p>
@@ -2396,12 +2396,12 @@
               <a:buChar char=""/>
             </a:pPr>
             <a:r>
-              <a:rPr b="0" lang="en-GB" sz="2000" spc="-1" strike="noStrike">
+              <a:rPr b="0" lang="en-GB" sz="1800" spc="-1" strike="noStrike">
                 <a:latin typeface="Arial"/>
               </a:rPr>
               <a:t>Fourth Outline Level</a:t>
             </a:r>
-            <a:endParaRPr b="0" lang="en-GB" sz="2000" spc="-1" strike="noStrike">
+            <a:endParaRPr b="0" lang="en-GB" sz="1800" spc="-1" strike="noStrike">
               <a:latin typeface="Arial"/>
             </a:endParaRPr>
           </a:p>
@@ -2418,12 +2418,12 @@
               <a:buChar char=""/>
             </a:pPr>
             <a:r>
-              <a:rPr b="0" lang="en-GB" sz="2000" spc="-1" strike="noStrike">
+              <a:rPr b="0" lang="en-GB" sz="1800" spc="-1" strike="noStrike">
                 <a:latin typeface="Arial"/>
               </a:rPr>
               <a:t>Fifth Outline Level</a:t>
             </a:r>
-            <a:endParaRPr b="0" lang="en-GB" sz="2000" spc="-1" strike="noStrike">
+            <a:endParaRPr b="0" lang="en-GB" sz="1800" spc="-1" strike="noStrike">
               <a:latin typeface="Arial"/>
             </a:endParaRPr>
           </a:p>
@@ -2440,12 +2440,12 @@
               <a:buChar char=""/>
             </a:pPr>
             <a:r>
-              <a:rPr b="0" lang="en-GB" sz="2000" spc="-1" strike="noStrike">
+              <a:rPr b="0" lang="en-GB" sz="1800" spc="-1" strike="noStrike">
                 <a:latin typeface="Arial"/>
               </a:rPr>
               <a:t>Sixth Outline Level</a:t>
             </a:r>
-            <a:endParaRPr b="0" lang="en-GB" sz="2000" spc="-1" strike="noStrike">
+            <a:endParaRPr b="0" lang="en-GB" sz="1800" spc="-1" strike="noStrike">
               <a:latin typeface="Arial"/>
             </a:endParaRPr>
           </a:p>
@@ -2462,12 +2462,12 @@
               <a:buChar char=""/>
             </a:pPr>
             <a:r>
-              <a:rPr b="0" lang="en-GB" sz="2000" spc="-1" strike="noStrike">
+              <a:rPr b="0" lang="en-GB" sz="1800" spc="-1" strike="noStrike">
                 <a:latin typeface="Arial"/>
               </a:rPr>
               <a:t>Seventh Outline Level</a:t>
             </a:r>
-            <a:endParaRPr b="0" lang="en-GB" sz="2000" spc="-1" strike="noStrike">
+            <a:endParaRPr b="0" lang="en-GB" sz="1800" spc="-1" strike="noStrike">
               <a:latin typeface="Arial"/>
             </a:endParaRPr>
           </a:p>
@@ -2519,7 +2519,7 @@
         <p:spPr>
           <a:xfrm>
             <a:off x="120960" y="0"/>
-            <a:ext cx="1606680" cy="1928160"/>
+            <a:ext cx="1606320" cy="1927800"/>
           </a:xfrm>
           <a:prstGeom prst="rect">
             <a:avLst/>
@@ -2550,7 +2550,7 @@
         <p:spPr>
           <a:xfrm>
             <a:off x="183600" y="3429000"/>
-            <a:ext cx="8776440" cy="360"/>
+            <a:ext cx="8776080" cy="360"/>
           </a:xfrm>
           <a:custGeom>
             <a:avLst/>
@@ -2592,7 +2592,7 @@
         <p:spPr>
           <a:xfrm>
             <a:off x="4572000" y="165600"/>
-            <a:ext cx="360" cy="6574680"/>
+            <a:ext cx="360" cy="6574320"/>
           </a:xfrm>
           <a:custGeom>
             <a:avLst/>
@@ -2634,7 +2634,7 @@
         <p:spPr>
           <a:xfrm>
             <a:off x="1899720" y="175320"/>
-            <a:ext cx="2558160" cy="428040"/>
+            <a:ext cx="2557800" cy="427680"/>
           </a:xfrm>
           <a:prstGeom prst="rect">
             <a:avLst/>
@@ -2683,7 +2683,7 @@
         <p:spPr>
           <a:xfrm>
             <a:off x="1992960" y="672120"/>
-            <a:ext cx="2368080" cy="2590560"/>
+            <a:ext cx="2367720" cy="2590200"/>
           </a:xfrm>
           <a:prstGeom prst="rect">
             <a:avLst/>
@@ -2702,7 +2702,7 @@
         <p:txBody>
           <a:bodyPr lIns="90000" rIns="90000" tIns="91440" bIns="91440"/>
           <a:p>
-            <a:pPr marL="457200" indent="-304200">
+            <a:pPr marL="457200" indent="-303840">
               <a:lnSpc>
                 <a:spcPct val="100000"/>
               </a:lnSpc>
@@ -2737,7 +2737,7 @@
         <p:spPr>
           <a:xfrm>
             <a:off x="183600" y="4023000"/>
-            <a:ext cx="4219200" cy="2590560"/>
+            <a:ext cx="4218840" cy="2590200"/>
           </a:xfrm>
           <a:prstGeom prst="rect">
             <a:avLst/>
@@ -2766,7 +2766,7 @@
             </a:endParaRPr>
           </a:p>
           <a:p>
-            <a:pPr marL="457200" indent="-304200">
+            <a:pPr marL="457200" indent="-303840">
               <a:lnSpc>
                 <a:spcPct val="100000"/>
               </a:lnSpc>
@@ -2791,7 +2791,7 @@
             </a:endParaRPr>
           </a:p>
           <a:p>
-            <a:pPr marL="457200" indent="-304200">
+            <a:pPr marL="457200" indent="-303840">
               <a:lnSpc>
                 <a:spcPct val="100000"/>
               </a:lnSpc>
@@ -2816,7 +2816,7 @@
             </a:endParaRPr>
           </a:p>
           <a:p>
-            <a:pPr marL="457200" indent="-304200">
+            <a:pPr marL="457200" indent="-303840">
               <a:lnSpc>
                 <a:spcPct val="100000"/>
               </a:lnSpc>
@@ -2851,7 +2851,7 @@
         <p:spPr>
           <a:xfrm>
             <a:off x="183600" y="3594600"/>
-            <a:ext cx="2558160" cy="428040"/>
+            <a:ext cx="2557800" cy="427680"/>
           </a:xfrm>
           <a:prstGeom prst="rect">
             <a:avLst/>
@@ -2900,7 +2900,7 @@
         <p:spPr>
           <a:xfrm>
             <a:off x="4740840" y="4058640"/>
-            <a:ext cx="4219200" cy="2590560"/>
+            <a:ext cx="4218840" cy="2590200"/>
           </a:xfrm>
           <a:prstGeom prst="rect">
             <a:avLst/>
@@ -2919,7 +2919,7 @@
         <p:txBody>
           <a:bodyPr lIns="90000" rIns="90000" tIns="91440" bIns="91440"/>
           <a:p>
-            <a:pPr marL="457200" indent="-304200">
+            <a:pPr marL="457200" indent="-303840">
               <a:lnSpc>
                 <a:spcPct val="100000"/>
               </a:lnSpc>
@@ -2944,7 +2944,7 @@
             </a:endParaRPr>
           </a:p>
           <a:p>
-            <a:pPr marL="457200" indent="-304200">
+            <a:pPr marL="457200" indent="-303840">
               <a:lnSpc>
                 <a:spcPct val="100000"/>
               </a:lnSpc>
@@ -2963,6 +2963,31 @@
                 <a:ea typeface="Arial"/>
               </a:rPr>
               <a:t>Is comfortable using financial applications so she would appreciate more advanced features like sorting transactions by date, type and merchant.</a:t>
+            </a:r>
+            <a:endParaRPr b="0" lang="en-GB" sz="1200" spc="-1" strike="noStrike">
+              <a:latin typeface="Arial"/>
+            </a:endParaRPr>
+          </a:p>
+          <a:p>
+            <a:pPr marL="457200" indent="-303840">
+              <a:lnSpc>
+                <a:spcPct val="100000"/>
+              </a:lnSpc>
+              <a:buClr>
+                <a:srgbClr val="000000"/>
+              </a:buClr>
+              <a:buFont typeface="Arial"/>
+              <a:buChar char="●"/>
+            </a:pPr>
+            <a:r>
+              <a:rPr b="0" lang="en-GB" sz="1200" spc="-1" strike="noStrike">
+                <a:solidFill>
+                  <a:srgbClr val="000000"/>
+                </a:solidFill>
+                <a:latin typeface="Arial"/>
+                <a:ea typeface="Arial"/>
+              </a:rPr>
+              <a:t>Uses her mobile frequently so requires a site that is usable in that format.</a:t>
             </a:r>
             <a:endParaRPr b="0" lang="en-GB" sz="1200" spc="-1" strike="noStrike">
               <a:latin typeface="Arial"/>
@@ -2979,7 +3004,7 @@
         <p:spPr>
           <a:xfrm>
             <a:off x="4740840" y="3594600"/>
-            <a:ext cx="2558160" cy="428040"/>
+            <a:ext cx="2557800" cy="427680"/>
           </a:xfrm>
           <a:prstGeom prst="rect">
             <a:avLst/>
@@ -3028,7 +3053,7 @@
         <p:spPr>
           <a:xfrm>
             <a:off x="4782240" y="630000"/>
-            <a:ext cx="4219200" cy="2590560"/>
+            <a:ext cx="4218840" cy="2590200"/>
           </a:xfrm>
           <a:prstGeom prst="rect">
             <a:avLst/>
@@ -3047,7 +3072,7 @@
         <p:txBody>
           <a:bodyPr lIns="90000" rIns="90000" tIns="91440" bIns="91440"/>
           <a:p>
-            <a:pPr marL="457200" indent="-304200">
+            <a:pPr marL="457200" indent="-303840">
               <a:lnSpc>
                 <a:spcPct val="100000"/>
               </a:lnSpc>
@@ -3072,7 +3097,7 @@
             </a:endParaRPr>
           </a:p>
           <a:p>
-            <a:pPr marL="457200" indent="-304200">
+            <a:pPr marL="457200" indent="-303840">
               <a:lnSpc>
                 <a:spcPct val="100000"/>
               </a:lnSpc>
@@ -3097,7 +3122,7 @@
             </a:endParaRPr>
           </a:p>
           <a:p>
-            <a:pPr marL="457200" indent="-304200">
+            <a:pPr marL="457200" indent="-303840">
               <a:lnSpc>
                 <a:spcPct val="100000"/>
               </a:lnSpc>
@@ -3116,6 +3141,56 @@
                 <a:ea typeface="Arial"/>
               </a:rPr>
               <a:t>Is tech savvy and comfortable using online financial applications.</a:t>
+            </a:r>
+            <a:endParaRPr b="0" lang="en-GB" sz="1200" spc="-1" strike="noStrike">
+              <a:latin typeface="Arial"/>
+            </a:endParaRPr>
+          </a:p>
+          <a:p>
+            <a:pPr marL="457200" indent="-303840">
+              <a:lnSpc>
+                <a:spcPct val="100000"/>
+              </a:lnSpc>
+              <a:buClr>
+                <a:srgbClr val="000000"/>
+              </a:buClr>
+              <a:buFont typeface="Arial"/>
+              <a:buChar char="●"/>
+            </a:pPr>
+            <a:r>
+              <a:rPr b="0" lang="en-GB" sz="1200" spc="-1" strike="noStrike">
+                <a:solidFill>
+                  <a:srgbClr val="000000"/>
+                </a:solidFill>
+                <a:latin typeface="Arial"/>
+                <a:ea typeface="Arial"/>
+              </a:rPr>
+              <a:t>Uses various electronic devices of different sizes.</a:t>
+            </a:r>
+            <a:endParaRPr b="0" lang="en-GB" sz="1200" spc="-1" strike="noStrike">
+              <a:latin typeface="Arial"/>
+            </a:endParaRPr>
+          </a:p>
+          <a:p>
+            <a:pPr marL="457200" indent="-303840">
+              <a:lnSpc>
+                <a:spcPct val="100000"/>
+              </a:lnSpc>
+              <a:buClr>
+                <a:srgbClr val="000000"/>
+              </a:buClr>
+              <a:buFont typeface="Arial"/>
+              <a:buChar char="●"/>
+            </a:pPr>
+            <a:r>
+              <a:rPr b="0" lang="en-GB" sz="1200" spc="-1" strike="noStrike">
+                <a:solidFill>
+                  <a:srgbClr val="000000"/>
+                </a:solidFill>
+                <a:latin typeface="Arial"/>
+                <a:ea typeface="Arial"/>
+              </a:rPr>
+              <a:t>Primarily uses her phone for web browsing.</a:t>
             </a:r>
             <a:endParaRPr b="0" lang="en-GB" sz="1200" spc="-1" strike="noStrike">
               <a:latin typeface="Arial"/>
@@ -3132,7 +3207,7 @@
         <p:spPr>
           <a:xfrm>
             <a:off x="4782240" y="165600"/>
-            <a:ext cx="2558160" cy="428040"/>
+            <a:ext cx="2557800" cy="427680"/>
           </a:xfrm>
           <a:prstGeom prst="rect">
             <a:avLst/>
@@ -3185,7 +3260,7 @@
         <p:spPr>
           <a:xfrm>
             <a:off x="335880" y="72000"/>
-            <a:ext cx="1211400" cy="1817280"/>
+            <a:ext cx="1211040" cy="1816920"/>
           </a:xfrm>
           <a:prstGeom prst="rect">
             <a:avLst/>
@@ -3309,7 +3384,7 @@
         <p:spPr>
           <a:xfrm>
             <a:off x="120960" y="0"/>
-            <a:ext cx="1606680" cy="1928160"/>
+            <a:ext cx="1606320" cy="1927800"/>
           </a:xfrm>
           <a:prstGeom prst="rect">
             <a:avLst/>
@@ -3340,7 +3415,7 @@
         <p:spPr>
           <a:xfrm>
             <a:off x="183600" y="3429000"/>
-            <a:ext cx="8776440" cy="360"/>
+            <a:ext cx="8776080" cy="360"/>
           </a:xfrm>
           <a:custGeom>
             <a:avLst/>
@@ -3382,7 +3457,7 @@
         <p:spPr>
           <a:xfrm>
             <a:off x="4572000" y="165600"/>
-            <a:ext cx="360" cy="6574680"/>
+            <a:ext cx="360" cy="6574320"/>
           </a:xfrm>
           <a:custGeom>
             <a:avLst/>
@@ -3424,7 +3499,7 @@
         <p:spPr>
           <a:xfrm>
             <a:off x="1899720" y="175320"/>
-            <a:ext cx="2558160" cy="428040"/>
+            <a:ext cx="2557800" cy="427680"/>
           </a:xfrm>
           <a:prstGeom prst="rect">
             <a:avLst/>
@@ -3473,7 +3548,7 @@
         <p:spPr>
           <a:xfrm>
             <a:off x="1992960" y="672120"/>
-            <a:ext cx="2368080" cy="2590560"/>
+            <a:ext cx="2367720" cy="2590200"/>
           </a:xfrm>
           <a:prstGeom prst="rect">
             <a:avLst/>
@@ -3492,7 +3567,7 @@
         <p:txBody>
           <a:bodyPr lIns="90000" rIns="90000" tIns="91440" bIns="91440"/>
           <a:p>
-            <a:pPr marL="457200" indent="-304200">
+            <a:pPr marL="457200" indent="-303840">
               <a:lnSpc>
                 <a:spcPct val="100000"/>
               </a:lnSpc>
@@ -3527,7 +3602,7 @@
         <p:spPr>
           <a:xfrm>
             <a:off x="183600" y="4023000"/>
-            <a:ext cx="4219200" cy="2590560"/>
+            <a:ext cx="4218840" cy="2590200"/>
           </a:xfrm>
           <a:prstGeom prst="rect">
             <a:avLst/>
@@ -3556,7 +3631,7 @@
             </a:endParaRPr>
           </a:p>
           <a:p>
-            <a:pPr marL="457200" indent="-304200">
+            <a:pPr marL="457200" indent="-303840">
               <a:lnSpc>
                 <a:spcPct val="100000"/>
               </a:lnSpc>
@@ -3581,7 +3656,7 @@
             </a:endParaRPr>
           </a:p>
           <a:p>
-            <a:pPr marL="457200" indent="-304200">
+            <a:pPr marL="457200" indent="-303840">
               <a:lnSpc>
                 <a:spcPct val="100000"/>
               </a:lnSpc>
@@ -3606,7 +3681,7 @@
             </a:endParaRPr>
           </a:p>
           <a:p>
-            <a:pPr marL="457200" indent="-304200">
+            <a:pPr marL="457200" indent="-303840">
               <a:lnSpc>
                 <a:spcPct val="100000"/>
               </a:lnSpc>
@@ -3641,7 +3716,7 @@
         <p:spPr>
           <a:xfrm>
             <a:off x="183600" y="3594600"/>
-            <a:ext cx="2558160" cy="428040"/>
+            <a:ext cx="2557800" cy="427680"/>
           </a:xfrm>
           <a:prstGeom prst="rect">
             <a:avLst/>
@@ -3690,7 +3765,7 @@
         <p:spPr>
           <a:xfrm>
             <a:off x="4740840" y="4058640"/>
-            <a:ext cx="4219200" cy="2590560"/>
+            <a:ext cx="4218840" cy="2590200"/>
           </a:xfrm>
           <a:prstGeom prst="rect">
             <a:avLst/>
@@ -3709,7 +3784,7 @@
         <p:txBody>
           <a:bodyPr lIns="90000" rIns="90000" tIns="91440" bIns="91440"/>
           <a:p>
-            <a:pPr marL="457200" indent="-304200">
+            <a:pPr marL="457200" indent="-303840">
               <a:lnSpc>
                 <a:spcPct val="100000"/>
               </a:lnSpc>
@@ -3734,7 +3809,7 @@
             </a:endParaRPr>
           </a:p>
           <a:p>
-            <a:pPr marL="457200" indent="-304200">
+            <a:pPr marL="457200" indent="-303840">
               <a:lnSpc>
                 <a:spcPct val="100000"/>
               </a:lnSpc>
@@ -3759,7 +3834,7 @@
             </a:endParaRPr>
           </a:p>
           <a:p>
-            <a:pPr marL="457200" indent="-304200">
+            <a:pPr marL="457200" indent="-303840">
               <a:lnSpc>
                 <a:spcPct val="100000"/>
               </a:lnSpc>
@@ -3794,7 +3869,7 @@
         <p:spPr>
           <a:xfrm>
             <a:off x="4740840" y="3594600"/>
-            <a:ext cx="2558160" cy="428040"/>
+            <a:ext cx="2557800" cy="427680"/>
           </a:xfrm>
           <a:prstGeom prst="rect">
             <a:avLst/>
@@ -3843,7 +3918,7 @@
         <p:spPr>
           <a:xfrm>
             <a:off x="4782240" y="630000"/>
-            <a:ext cx="4219200" cy="2590560"/>
+            <a:ext cx="4218840" cy="2590200"/>
           </a:xfrm>
           <a:prstGeom prst="rect">
             <a:avLst/>
@@ -3862,7 +3937,7 @@
         <p:txBody>
           <a:bodyPr lIns="90000" rIns="90000" tIns="91440" bIns="91440"/>
           <a:p>
-            <a:pPr marL="457200" indent="-304200">
+            <a:pPr marL="457200" indent="-303840">
               <a:lnSpc>
                 <a:spcPct val="100000"/>
               </a:lnSpc>
@@ -3887,7 +3962,7 @@
             </a:endParaRPr>
           </a:p>
           <a:p>
-            <a:pPr marL="457200" indent="-304200">
+            <a:pPr marL="457200" indent="-303840">
               <a:lnSpc>
                 <a:spcPct val="100000"/>
               </a:lnSpc>
@@ -3912,7 +3987,7 @@
             </a:endParaRPr>
           </a:p>
           <a:p>
-            <a:pPr marL="457200" indent="-304200">
+            <a:pPr marL="457200" indent="-303840">
               <a:lnSpc>
                 <a:spcPct val="100000"/>
               </a:lnSpc>
@@ -3947,7 +4022,7 @@
         <p:spPr>
           <a:xfrm>
             <a:off x="4782240" y="165600"/>
-            <a:ext cx="2558160" cy="428040"/>
+            <a:ext cx="2557800" cy="427680"/>
           </a:xfrm>
           <a:prstGeom prst="rect">
             <a:avLst/>
@@ -4000,7 +4075,7 @@
         <p:spPr>
           <a:xfrm>
             <a:off x="288000" y="72000"/>
-            <a:ext cx="1223640" cy="1833480"/>
+            <a:ext cx="1223280" cy="1833120"/>
           </a:xfrm>
           <a:prstGeom prst="rect">
             <a:avLst/>
@@ -4332,34 +4407,34 @@
         <a:sysClr val="window" lastClr="FFFFFF"/>
       </a:lt1>
       <a:dk2>
-        <a:srgbClr val="595959"/>
+        <a:srgbClr val="1f497d"/>
       </a:dk2>
       <a:lt2>
-        <a:srgbClr val="eeeeee"/>
+        <a:srgbClr val="eeece1"/>
       </a:lt2>
       <a:accent1>
-        <a:srgbClr val="ffab40"/>
+        <a:srgbClr val="4f81bd"/>
       </a:accent1>
       <a:accent2>
-        <a:srgbClr val="212121"/>
+        <a:srgbClr val="c0504d"/>
       </a:accent2>
       <a:accent3>
-        <a:srgbClr val="78909c"/>
+        <a:srgbClr val="9bbb59"/>
       </a:accent3>
       <a:accent4>
-        <a:srgbClr val="ffab40"/>
+        <a:srgbClr val="8064a2"/>
       </a:accent4>
       <a:accent5>
-        <a:srgbClr val="0097a7"/>
+        <a:srgbClr val="4bacc6"/>
       </a:accent5>
       <a:accent6>
-        <a:srgbClr val="eeff41"/>
+        <a:srgbClr val="f79646"/>
       </a:accent6>
       <a:hlink>
-        <a:srgbClr val="0097a7"/>
+        <a:srgbClr val="0000ff"/>
       </a:hlink>
       <a:folHlink>
-        <a:srgbClr val="0097a7"/>
+        <a:srgbClr val="800080"/>
       </a:folHlink>
     </a:clrScheme>
     <a:fontScheme name="Office">
